--- a/Session_1_Md/slides/PostmanTesting.pptx
+++ b/Session_1_Md/slides/PostmanTesting.pptx
@@ -129,6 +129,14 @@
       </a:defRPr>
     </a:lvl9pPr>
   </p:defaultTextStyle>
+  <p:extLst>
+    <p:ext uri="{EFAFB233-063F-42B5-8137-9DF3F51BA10A}">
+      <p15:sldGuideLst xmlns:p15="http://schemas.microsoft.com/office/powerpoint/2012/main"/>
+    </p:ext>
+    <p:ext uri="{2D200454-40CA-4A62-9FC3-DE9A4176ACB9}">
+      <p15:notesGuideLst xmlns:p15="http://schemas.microsoft.com/office/powerpoint/2012/main"/>
+    </p:ext>
+  </p:extLst>
 </p:presentation>
 </file>
 
@@ -214,7 +222,7 @@
           <a:p>
             <a:fld id="{FFACFE39-41DB-4070-AC54-9F967E1B60A9}" type="datetimeFigureOut">
               <a:rPr lang="en-US" smtClean="0"/>
-              <a:t>1/8/2020</a:t>
+              <a:t>1/9/2020</a:t>
             </a:fld>
             <a:endParaRPr lang="en-US"/>
           </a:p>
@@ -723,7 +731,7 @@
           <a:p>
             <a:fld id="{CFD25776-3190-4D29-BE18-D16538DCB40C}" type="datetimeFigureOut">
               <a:rPr lang="en-US" smtClean="0"/>
-              <a:t>1/8/2020</a:t>
+              <a:t>1/9/2020</a:t>
             </a:fld>
             <a:endParaRPr lang="en-US"/>
           </a:p>
@@ -921,7 +929,7 @@
           <a:p>
             <a:fld id="{CFD25776-3190-4D29-BE18-D16538DCB40C}" type="datetimeFigureOut">
               <a:rPr lang="en-US" smtClean="0"/>
-              <a:t>1/8/2020</a:t>
+              <a:t>1/9/2020</a:t>
             </a:fld>
             <a:endParaRPr lang="en-US"/>
           </a:p>
@@ -1129,7 +1137,7 @@
           <a:p>
             <a:fld id="{CFD25776-3190-4D29-BE18-D16538DCB40C}" type="datetimeFigureOut">
               <a:rPr lang="en-US" smtClean="0"/>
-              <a:t>1/8/2020</a:t>
+              <a:t>1/9/2020</a:t>
             </a:fld>
             <a:endParaRPr lang="en-US"/>
           </a:p>
@@ -1327,7 +1335,7 @@
           <a:p>
             <a:fld id="{CFD25776-3190-4D29-BE18-D16538DCB40C}" type="datetimeFigureOut">
               <a:rPr lang="en-US" smtClean="0"/>
-              <a:t>1/8/2020</a:t>
+              <a:t>1/9/2020</a:t>
             </a:fld>
             <a:endParaRPr lang="en-US"/>
           </a:p>
@@ -1602,7 +1610,7 @@
           <a:p>
             <a:fld id="{CFD25776-3190-4D29-BE18-D16538DCB40C}" type="datetimeFigureOut">
               <a:rPr lang="en-US" smtClean="0"/>
-              <a:t>1/8/2020</a:t>
+              <a:t>1/9/2020</a:t>
             </a:fld>
             <a:endParaRPr lang="en-US"/>
           </a:p>
@@ -1867,7 +1875,7 @@
           <a:p>
             <a:fld id="{CFD25776-3190-4D29-BE18-D16538DCB40C}" type="datetimeFigureOut">
               <a:rPr lang="en-US" smtClean="0"/>
-              <a:t>1/8/2020</a:t>
+              <a:t>1/9/2020</a:t>
             </a:fld>
             <a:endParaRPr lang="en-US"/>
           </a:p>
@@ -2279,7 +2287,7 @@
           <a:p>
             <a:fld id="{CFD25776-3190-4D29-BE18-D16538DCB40C}" type="datetimeFigureOut">
               <a:rPr lang="en-US" smtClean="0"/>
-              <a:t>1/8/2020</a:t>
+              <a:t>1/9/2020</a:t>
             </a:fld>
             <a:endParaRPr lang="en-US"/>
           </a:p>
@@ -2420,7 +2428,7 @@
           <a:p>
             <a:fld id="{CFD25776-3190-4D29-BE18-D16538DCB40C}" type="datetimeFigureOut">
               <a:rPr lang="en-US" smtClean="0"/>
-              <a:t>1/8/2020</a:t>
+              <a:t>1/9/2020</a:t>
             </a:fld>
             <a:endParaRPr lang="en-US"/>
           </a:p>
@@ -2533,7 +2541,7 @@
           <a:p>
             <a:fld id="{CFD25776-3190-4D29-BE18-D16538DCB40C}" type="datetimeFigureOut">
               <a:rPr lang="en-US" smtClean="0"/>
-              <a:t>1/8/2020</a:t>
+              <a:t>1/9/2020</a:t>
             </a:fld>
             <a:endParaRPr lang="en-US"/>
           </a:p>
@@ -2844,7 +2852,7 @@
           <a:p>
             <a:fld id="{CFD25776-3190-4D29-BE18-D16538DCB40C}" type="datetimeFigureOut">
               <a:rPr lang="en-US" smtClean="0"/>
-              <a:t>1/8/2020</a:t>
+              <a:t>1/9/2020</a:t>
             </a:fld>
             <a:endParaRPr lang="en-US"/>
           </a:p>
@@ -3132,7 +3140,7 @@
           <a:p>
             <a:fld id="{CFD25776-3190-4D29-BE18-D16538DCB40C}" type="datetimeFigureOut">
               <a:rPr lang="en-US" smtClean="0"/>
-              <a:t>1/8/2020</a:t>
+              <a:t>1/9/2020</a:t>
             </a:fld>
             <a:endParaRPr lang="en-US"/>
           </a:p>
@@ -3373,7 +3381,7 @@
           <a:p>
             <a:fld id="{CFD25776-3190-4D29-BE18-D16538DCB40C}" type="datetimeFigureOut">
               <a:rPr lang="en-US" smtClean="0"/>
-              <a:t>1/8/2020</a:t>
+              <a:t>1/9/2020</a:t>
             </a:fld>
             <a:endParaRPr lang="en-US"/>
           </a:p>
@@ -5940,34 +5948,6 @@
           <a:p>
             <a:r>
               <a:rPr lang="en-US" dirty="0"/>
-              <a:t>Import Collection</a:t>
-            </a:r>
-          </a:p>
-        </p:txBody>
-      </p:sp>
-      <p:sp>
-        <p:nvSpPr>
-          <p:cNvPr id="3" name="Content Placeholder 2">
-            <a:extLst>
-              <a:ext uri="{FF2B5EF4-FFF2-40B4-BE49-F238E27FC236}">
-                <a16:creationId xmlns:a16="http://schemas.microsoft.com/office/drawing/2014/main" id="{1DD404E4-5701-4764-BF6E-5594B28251DC}"/>
-              </a:ext>
-            </a:extLst>
-          </p:cNvPr>
-          <p:cNvSpPr>
-            <a:spLocks noGrp="1"/>
-          </p:cNvSpPr>
-          <p:nvPr>
-            <p:ph idx="1"/>
-          </p:nvPr>
-        </p:nvSpPr>
-        <p:spPr/>
-        <p:txBody>
-          <a:bodyPr/>
-          <a:lstStyle/>
-          <a:p>
-            <a:r>
-              <a:rPr lang="en-US" dirty="0"/>
               <a:t>Import Collection with </a:t>
             </a:r>
             <a:r>
@@ -5976,21 +5956,39 @@
             </a:r>
             <a:r>
               <a:rPr lang="en-US" dirty="0"/>
-              <a:t> </a:t>
-            </a:r>
-            <a:r>
-              <a:rPr lang="en-US" dirty="0" err="1"/>
-              <a:t>spcecification</a:t>
-            </a:r>
-            <a:endParaRPr lang="en-US" dirty="0"/>
-          </a:p>
-          <a:p>
-            <a:pPr marL="457200" lvl="1" indent="0">
-              <a:buNone/>
-            </a:pPr>
-            <a:r>
-              <a:rPr lang="en-US" dirty="0"/>
-              <a:t>1.  In </a:t>
+              <a:t> specification</a:t>
+            </a:r>
+          </a:p>
+        </p:txBody>
+      </p:sp>
+      <p:sp>
+        <p:nvSpPr>
+          <p:cNvPr id="3" name="Content Placeholder 2">
+            <a:extLst>
+              <a:ext uri="{FF2B5EF4-FFF2-40B4-BE49-F238E27FC236}">
+                <a16:creationId xmlns:a16="http://schemas.microsoft.com/office/drawing/2014/main" id="{1DD404E4-5701-4764-BF6E-5594B28251DC}"/>
+              </a:ext>
+            </a:extLst>
+          </p:cNvPr>
+          <p:cNvSpPr>
+            <a:spLocks noGrp="1"/>
+          </p:cNvSpPr>
+          <p:nvPr>
+            <p:ph idx="1"/>
+          </p:nvPr>
+        </p:nvSpPr>
+        <p:spPr/>
+        <p:txBody>
+          <a:bodyPr/>
+          <a:lstStyle/>
+          <a:p>
+            <a:pPr marL="914400" lvl="1" indent="-457200">
+              <a:buFont typeface="+mj-lt"/>
+              <a:buAutoNum type="arabicPeriod"/>
+            </a:pPr>
+            <a:r>
+              <a:rPr lang="en-US" dirty="0"/>
+              <a:t>In </a:t>
             </a:r>
             <a:r>
               <a:rPr lang="en-US" dirty="0" err="1"/>
@@ -6002,21 +6000,23 @@
             </a:r>
           </a:p>
           <a:p>
-            <a:pPr marL="457200" lvl="1" indent="0">
-              <a:buNone/>
-            </a:pPr>
-            <a:r>
-              <a:rPr lang="en-US" dirty="0"/>
-              <a:t>2. Choose Import From Link from the Import Window  </a:t>
-            </a:r>
-          </a:p>
-          <a:p>
-            <a:pPr marL="457200" lvl="1" indent="0">
-              <a:buNone/>
-            </a:pPr>
-            <a:r>
-              <a:rPr lang="en-US" dirty="0"/>
-              <a:t>3. With the </a:t>
+            <a:pPr marL="914400" lvl="1" indent="-457200">
+              <a:buFont typeface="+mj-lt"/>
+              <a:buAutoNum type="arabicPeriod"/>
+            </a:pPr>
+            <a:r>
+              <a:rPr lang="en-US" dirty="0"/>
+              <a:t>Choose Import From Link from the Import Window  </a:t>
+            </a:r>
+          </a:p>
+          <a:p>
+            <a:pPr marL="914400" lvl="1" indent="-457200">
+              <a:buFont typeface="+mj-lt"/>
+              <a:buAutoNum type="arabicPeriod"/>
+            </a:pPr>
+            <a:r>
+              <a:rPr lang="en-US" dirty="0"/>
+              <a:t>With the </a:t>
             </a:r>
             <a:r>
               <a:rPr lang="en-US" dirty="0" err="1"/>
@@ -7036,27 +7036,33 @@
           </a:bodyPr>
           <a:lstStyle/>
           <a:p>
+            <a:pPr marL="457200" indent="-457200">
+              <a:buFont typeface="+mj-lt"/>
+              <a:buAutoNum type="arabicPeriod"/>
+            </a:pPr>
             <a:r>
               <a:rPr lang="en-US" sz="2000" dirty="0"/>
-              <a:t>Environment</a:t>
-            </a:r>
-          </a:p>
-          <a:p>
+              <a:t>Click on cog the Environment Manager click Add</a:t>
+            </a:r>
+          </a:p>
+          <a:p>
+            <a:pPr marL="457200" indent="-457200">
+              <a:buFont typeface="+mj-lt"/>
+              <a:buAutoNum type="arabicPeriod"/>
+            </a:pPr>
             <a:r>
               <a:rPr lang="en-US" sz="2000" dirty="0"/>
-              <a:t>1. Click on cog the Environment Manager click Add</a:t>
-            </a:r>
-          </a:p>
-          <a:p>
+              <a:t>Add the Name in the Environment Name field</a:t>
+            </a:r>
+          </a:p>
+          <a:p>
+            <a:pPr marL="457200" indent="-457200">
+              <a:buFont typeface="+mj-lt"/>
+              <a:buAutoNum type="arabicPeriod"/>
+            </a:pPr>
             <a:r>
               <a:rPr lang="en-US" sz="2000" dirty="0"/>
-              <a:t>2. Add the Name in the Environment Name field</a:t>
-            </a:r>
-          </a:p>
-          <a:p>
-            <a:r>
-              <a:rPr lang="en-US" sz="2000" dirty="0"/>
-              <a:t>3. Under Variable type </a:t>
+              <a:t>Under Variable type </a:t>
             </a:r>
             <a:r>
               <a:rPr lang="en-US" sz="2000" dirty="0" err="1"/>
@@ -7158,8 +7164,8 @@
         </p:blipFill>
         <p:spPr>
           <a:xfrm>
-            <a:off x="4367174" y="3600476"/>
-            <a:ext cx="2649372" cy="2576487"/>
+            <a:off x="3784059" y="3033404"/>
+            <a:ext cx="3779195" cy="3675228"/>
           </a:xfrm>
           <a:prstGeom prst="rect">
             <a:avLst/>
@@ -7219,8 +7225,12 @@
           <a:p>
             <a:r>
               <a:rPr lang="en-US" dirty="0"/>
-              <a:t>Test</a:t>
-            </a:r>
+              <a:t>Setup First Test</a:t>
+            </a:r>
+            <a:br>
+              <a:rPr lang="en-US" dirty="0"/>
+            </a:br>
+            <a:endParaRPr lang="en-US" dirty="0"/>
           </a:p>
         </p:txBody>
       </p:sp>
@@ -7243,40 +7253,37 @@
         <p:spPr/>
         <p:txBody>
           <a:bodyPr>
-            <a:normAutofit lnSpcReduction="10000"/>
+            <a:normAutofit/>
           </a:bodyPr>
           <a:lstStyle/>
           <a:p>
+            <a:pPr marL="457200" indent="-457200">
+              <a:buFont typeface="+mj-lt"/>
+              <a:buAutoNum type="arabicPeriod"/>
+            </a:pPr>
             <a:r>
               <a:rPr lang="en-US" sz="2000" dirty="0"/>
-              <a:t>Setup First Test</a:t>
-            </a:r>
-          </a:p>
-          <a:p>
-            <a:pPr marL="0" indent="0">
-              <a:buNone/>
+              <a:t>Click on Test Tab</a:t>
+            </a:r>
+          </a:p>
+          <a:p>
+            <a:pPr marL="457200" indent="-457200">
+              <a:buFont typeface="+mj-lt"/>
+              <a:buAutoNum type="arabicPeriod"/>
             </a:pPr>
             <a:r>
               <a:rPr lang="en-US" sz="2000" dirty="0"/>
-              <a:t>	1.  Click on Test Tab</a:t>
-            </a:r>
-          </a:p>
-          <a:p>
-            <a:pPr marL="0" indent="0">
-              <a:buNone/>
+              <a:t>From the SNIPPETS on the right side select Status code: Code is 200</a:t>
+            </a:r>
+          </a:p>
+          <a:p>
+            <a:pPr marL="457200" indent="-457200">
+              <a:buFont typeface="+mj-lt"/>
+              <a:buAutoNum type="arabicPeriod"/>
             </a:pPr>
             <a:r>
               <a:rPr lang="en-US" sz="2000" dirty="0"/>
-              <a:t>	2. From the SNIPPETS on the right side select Status code: Code is 200</a:t>
-            </a:r>
-          </a:p>
-          <a:p>
-            <a:pPr marL="0" indent="0">
-              <a:buNone/>
-            </a:pPr>
-            <a:r>
-              <a:rPr lang="en-US" sz="2000" dirty="0"/>
-              <a:t>	3. Pm is </a:t>
+              <a:t>Pm is </a:t>
             </a:r>
             <a:r>
               <a:rPr lang="en-US" sz="2000" dirty="0" err="1"/>
@@ -7304,7 +7311,7 @@
             </a:r>
             <a:r>
               <a:rPr lang="en-US" sz="2000" dirty="0"/>
-              <a:t> the 	second parameter is the </a:t>
+              <a:t> the second parameter is the </a:t>
             </a:r>
             <a:r>
               <a:rPr lang="en-US" sz="2000" dirty="0">
@@ -7320,23 +7327,23 @@
             </a:r>
           </a:p>
           <a:p>
-            <a:pPr marL="0" indent="0">
-              <a:buNone/>
-            </a:pPr>
-            <a:r>
-              <a:rPr lang="en-US" sz="2000" dirty="0"/>
+            <a:pPr marL="457200" lvl="1" indent="0">
+              <a:buNone/>
+            </a:pPr>
+            <a:r>
+              <a:rPr lang="en-US" sz="1600" dirty="0"/>
               <a:t>	</a:t>
             </a:r>
             <a:r>
-              <a:rPr lang="en-US" sz="2000" dirty="0" err="1"/>
+              <a:rPr lang="en-US" sz="1600" dirty="0" err="1"/>
               <a:t>pm.test</a:t>
             </a:r>
             <a:r>
-              <a:rPr lang="en-US" sz="2000" dirty="0"/>
+              <a:rPr lang="en-US" sz="1600" dirty="0"/>
               <a:t>(</a:t>
             </a:r>
             <a:r>
-              <a:rPr lang="en-US" sz="2000" dirty="0">
+              <a:rPr lang="en-US" sz="1600" dirty="0">
                 <a:solidFill>
                   <a:srgbClr val="FF0000"/>
                 </a:solidFill>
@@ -7344,11 +7351,11 @@
               <a:t>"Status code is 200"</a:t>
             </a:r>
             <a:r>
-              <a:rPr lang="en-US" sz="2000" dirty="0"/>
+              <a:rPr lang="en-US" sz="1600" dirty="0"/>
               <a:t>, </a:t>
             </a:r>
             <a:r>
-              <a:rPr lang="en-US" sz="2000" dirty="0">
+              <a:rPr lang="en-US" sz="1600" dirty="0">
                 <a:solidFill>
                   <a:srgbClr val="0070C0"/>
                 </a:solidFill>
@@ -7356,7 +7363,7 @@
               <a:t>function () {    </a:t>
             </a:r>
             <a:r>
-              <a:rPr lang="en-US" sz="2000" dirty="0" err="1">
+              <a:rPr lang="en-US" sz="1600" dirty="0" err="1">
                 <a:solidFill>
                   <a:srgbClr val="0070C0"/>
                 </a:solidFill>
@@ -7364,7 +7371,7 @@
               <a:t>pm.response.to.have.status</a:t>
             </a:r>
             <a:r>
-              <a:rPr lang="en-US" sz="2000" dirty="0">
+              <a:rPr lang="en-US" sz="1600" dirty="0">
                 <a:solidFill>
                   <a:srgbClr val="0070C0"/>
                 </a:solidFill>
@@ -7372,52 +7379,52 @@
               <a:t>(200)</a:t>
             </a:r>
             <a:r>
+              <a:rPr lang="en-US" sz="1600" dirty="0"/>
+              <a:t>;}); </a:t>
+            </a:r>
+          </a:p>
+          <a:p>
+            <a:pPr marL="457200" indent="-457200">
+              <a:buFont typeface="+mj-lt"/>
+              <a:buAutoNum type="arabicPeriod"/>
+            </a:pPr>
+            <a:endParaRPr lang="en-US" sz="2000" dirty="0"/>
+          </a:p>
+          <a:p>
+            <a:pPr marL="457200" indent="-457200">
+              <a:buFont typeface="+mj-lt"/>
+              <a:buAutoNum type="arabicPeriod"/>
+            </a:pPr>
+            <a:r>
               <a:rPr lang="en-US" sz="2000" dirty="0"/>
-              <a:t>;}); </a:t>
-            </a:r>
-          </a:p>
-          <a:p>
-            <a:pPr marL="0" indent="0">
-              <a:buNone/>
-            </a:pPr>
-            <a:endParaRPr lang="en-US" sz="2000" dirty="0"/>
-          </a:p>
-          <a:p>
-            <a:pPr marL="0" indent="0">
-              <a:buNone/>
+              <a:t>Send Request to see if the test past you can get additional information from the Postman Console Ctrl + Alt + C or click in the bottom left </a:t>
+            </a:r>
+          </a:p>
+          <a:p>
+            <a:pPr marL="457200" indent="-457200">
+              <a:buFont typeface="+mj-lt"/>
+              <a:buAutoNum type="arabicPeriod"/>
             </a:pPr>
             <a:r>
               <a:rPr lang="en-US" sz="2000" dirty="0"/>
-              <a:t>	4. Send Request to see if the test past you can get additional information from the Postman 	Console Ctrl + Alt + C or click in the bottom left </a:t>
-            </a:r>
-          </a:p>
-          <a:p>
-            <a:pPr marL="0" indent="0">
-              <a:buNone/>
-            </a:pPr>
-            <a:r>
-              <a:rPr lang="en-US" sz="2000" dirty="0"/>
-              <a:t>                5. Now add this code to the Get an author by Id </a:t>
-            </a:r>
-          </a:p>
-          <a:p>
-            <a:pPr marL="0" indent="0">
-              <a:buNone/>
-            </a:pPr>
-            <a:r>
-              <a:rPr lang="en-US" sz="2000" dirty="0"/>
-              <a:t>	</a:t>
-            </a:r>
-            <a:r>
-              <a:rPr lang="en-US" sz="2000" dirty="0" err="1"/>
+              <a:t>Now add this code to the Get an author by Id </a:t>
+            </a:r>
+          </a:p>
+          <a:p>
+            <a:pPr marL="914400" lvl="1" indent="-457200">
+              <a:buFont typeface="+mj-lt"/>
+              <a:buAutoNum type="arabicPeriod"/>
+            </a:pPr>
+            <a:r>
+              <a:rPr lang="en-US" sz="1600" dirty="0" err="1"/>
               <a:t>pm.test</a:t>
             </a:r>
             <a:r>
-              <a:rPr lang="en-US" sz="2000" dirty="0"/>
+              <a:rPr lang="en-US" sz="1600" dirty="0"/>
               <a:t>("</a:t>
             </a:r>
             <a:r>
-              <a:rPr lang="en-US" sz="2000" dirty="0">
+              <a:rPr lang="en-US" sz="1600" dirty="0">
                 <a:solidFill>
                   <a:srgbClr val="FF0000"/>
                 </a:solidFill>
@@ -7425,11 +7432,11 @@
               <a:t>Get Reservation by Id</a:t>
             </a:r>
             <a:r>
-              <a:rPr lang="en-US" sz="2000" dirty="0"/>
+              <a:rPr lang="en-US" sz="1600" dirty="0"/>
               <a:t>", </a:t>
             </a:r>
             <a:r>
-              <a:rPr lang="en-US" sz="2000" dirty="0">
+              <a:rPr lang="en-US" sz="1600" dirty="0">
                 <a:solidFill>
                   <a:srgbClr val="0070C0"/>
                 </a:solidFill>
@@ -7437,7 +7444,7 @@
               <a:t>function() {        var </a:t>
             </a:r>
             <a:r>
-              <a:rPr lang="en-US" sz="2000" dirty="0" err="1">
+              <a:rPr lang="en-US" sz="1600" dirty="0" err="1">
                 <a:solidFill>
                   <a:srgbClr val="0070C0"/>
                 </a:solidFill>
@@ -7445,7 +7452,7 @@
               <a:t>jsonData</a:t>
             </a:r>
             <a:r>
-              <a:rPr lang="en-US" sz="2000" dirty="0">
+              <a:rPr lang="en-US" sz="1600" dirty="0">
                 <a:solidFill>
                   <a:srgbClr val="0070C0"/>
                 </a:solidFill>
@@ -7453,7 +7460,7 @@
               <a:t> = </a:t>
             </a:r>
             <a:r>
-              <a:rPr lang="en-US" sz="2000" dirty="0" err="1">
+              <a:rPr lang="en-US" sz="1600" dirty="0" err="1">
                 <a:solidFill>
                   <a:srgbClr val="0070C0"/>
                 </a:solidFill>
@@ -7461,7 +7468,7 @@
               <a:t>pm.response.json</a:t>
             </a:r>
             <a:r>
-              <a:rPr lang="en-US" sz="2000" dirty="0">
+              <a:rPr lang="en-US" sz="1600" dirty="0">
                 <a:solidFill>
                   <a:srgbClr val="0070C0"/>
                 </a:solidFill>
@@ -7469,7 +7476,7 @@
               <a:t>();    	</a:t>
             </a:r>
             <a:r>
-              <a:rPr lang="en-US" sz="2000" dirty="0" err="1">
+              <a:rPr lang="en-US" sz="1600" dirty="0" err="1">
                 <a:solidFill>
                   <a:srgbClr val="0070C0"/>
                 </a:solidFill>
@@ -7477,7 +7484,7 @@
               <a:t>pm.expect</a:t>
             </a:r>
             <a:r>
-              <a:rPr lang="en-US" sz="2000" dirty="0">
+              <a:rPr lang="en-US" sz="1600" dirty="0">
                 <a:solidFill>
                   <a:srgbClr val="0070C0"/>
                 </a:solidFill>
@@ -7485,7 +7492,7 @@
               <a:t>(</a:t>
             </a:r>
             <a:r>
-              <a:rPr lang="en-US" sz="2000" dirty="0" err="1">
+              <a:rPr lang="en-US" sz="1600" dirty="0" err="1">
                 <a:solidFill>
                   <a:srgbClr val="0070C0"/>
                 </a:solidFill>
@@ -7493,7 +7500,7 @@
               <a:t>jsonData.Id</a:t>
             </a:r>
             <a:r>
-              <a:rPr lang="en-US" sz="2000" dirty="0">
+              <a:rPr lang="en-US" sz="1600" dirty="0">
                 <a:solidFill>
                   <a:srgbClr val="0070C0"/>
                 </a:solidFill>
@@ -7501,7 +7508,7 @@
               <a:t>).</a:t>
             </a:r>
             <a:r>
-              <a:rPr lang="en-US" sz="2000" dirty="0" err="1">
+              <a:rPr lang="en-US" sz="1600" dirty="0" err="1">
                 <a:solidFill>
                   <a:srgbClr val="0070C0"/>
                 </a:solidFill>
@@ -7509,7 +7516,7 @@
               <a:t>to.equal</a:t>
             </a:r>
             <a:r>
-              <a:rPr lang="en-US" sz="2000" dirty="0">
+              <a:rPr lang="en-US" sz="1600" dirty="0">
                 <a:solidFill>
                   <a:srgbClr val="0070C0"/>
                 </a:solidFill>
@@ -7517,7 +7524,7 @@
               <a:t>("5e13fc628a38764d44f15e02")</a:t>
             </a:r>
             <a:r>
-              <a:rPr lang="en-US" sz="2000" dirty="0"/>
+              <a:rPr lang="en-US" sz="1600" dirty="0"/>
               <a:t>;});</a:t>
             </a:r>
           </a:p>
@@ -7545,7 +7552,7 @@
         </p:blipFill>
         <p:spPr>
           <a:xfrm>
-            <a:off x="3739054" y="1537237"/>
+            <a:off x="4337305" y="744530"/>
             <a:ext cx="6496097" cy="1081095"/>
           </a:xfrm>
           <a:prstGeom prst="rect">
@@ -7636,7 +7643,7 @@
           <a:p>
             <a:r>
               <a:rPr lang="en-US" dirty="0"/>
-              <a:t>What to Test</a:t>
+              <a:t>Knowing what to test for</a:t>
             </a:r>
           </a:p>
         </p:txBody>
@@ -7672,36 +7679,6 @@
           </a:p>
         </p:txBody>
       </p:sp>
-      <p:pic>
-        <p:nvPicPr>
-          <p:cNvPr id="4" name="Picture 3">
-            <a:extLst>
-              <a:ext uri="{FF2B5EF4-FFF2-40B4-BE49-F238E27FC236}">
-                <a16:creationId xmlns:a16="http://schemas.microsoft.com/office/drawing/2014/main" id="{721D1698-F717-4814-BF36-A044EE565112}"/>
-              </a:ext>
-            </a:extLst>
-          </p:cNvPr>
-          <p:cNvPicPr>
-            <a:picLocks noChangeAspect="1"/>
-          </p:cNvPicPr>
-          <p:nvPr/>
-        </p:nvPicPr>
-        <p:blipFill>
-          <a:blip r:embed="rId2"/>
-          <a:stretch>
-            <a:fillRect/>
-          </a:stretch>
-        </p:blipFill>
-        <p:spPr>
-          <a:xfrm>
-            <a:off x="4102341" y="6368680"/>
-            <a:ext cx="4105305" cy="3190898"/>
-          </a:xfrm>
-          <a:prstGeom prst="rect">
-            <a:avLst/>
-          </a:prstGeom>
-        </p:spPr>
-      </p:pic>
       <p:sp>
         <p:nvSpPr>
           <p:cNvPr id="5" name="Rectangle 4">
@@ -7770,7 +7747,7 @@
         </p:nvSpPr>
         <p:spPr>
           <a:xfrm>
-            <a:off x="3427450" y="3137086"/>
+            <a:off x="3421626" y="3137086"/>
             <a:ext cx="4911213" cy="693174"/>
           </a:xfrm>
           <a:prstGeom prst="rect">
@@ -7825,7 +7802,7 @@
         </p:nvSpPr>
         <p:spPr>
           <a:xfrm>
-            <a:off x="3421626" y="3935001"/>
+            <a:off x="3421626" y="3929178"/>
             <a:ext cx="4911213" cy="1912499"/>
           </a:xfrm>
           <a:prstGeom prst="rect">
@@ -7918,7 +7895,7 @@
           <a:p>
             <a:r>
               <a:rPr lang="en-US" dirty="0"/>
-              <a:t>Testing for Updating an Reservation with a Put Request</a:t>
+              <a:t>Testing “Updating an Reservation” with a Put Request</a:t>
             </a:r>
           </a:p>
         </p:txBody>
@@ -7996,15 +7973,7 @@
             <a:pPr lvl="1"/>
             <a:r>
               <a:rPr lang="en-US" dirty="0"/>
-              <a:t>Does a request to an </a:t>
-            </a:r>
-            <a:r>
-              <a:rPr lang="en-US" dirty="0" err="1"/>
-              <a:t>nonexisting</a:t>
-            </a:r>
-            <a:r>
-              <a:rPr lang="en-US" dirty="0"/>
-              <a:t> Reservation fail with a 404 Not Found?</a:t>
+              <a:t>Does a request to an nonexistent Reservation fail with a 404 Not Found?</a:t>
             </a:r>
           </a:p>
           <a:p>
@@ -8126,7 +8095,7 @@
           <a:p>
             <a:r>
               <a:rPr lang="en-US" dirty="0"/>
-              <a:t>Test for what should succeed and also test for what an go wrong</a:t>
+              <a:t>Test for what should succeed and also test for what can go wrong</a:t>
             </a:r>
           </a:p>
           <a:p>
@@ -9332,18 +9301,18 @@
 </file>
 
 <file path=customXml/item2.xml><?xml version="1.0" encoding="utf-8"?>
+<p:properties xmlns:p="http://schemas.microsoft.com/office/2006/metadata/properties" xmlns:xsi="http://www.w3.org/2001/XMLSchema-instance" xmlns:pc="http://schemas.microsoft.com/office/infopath/2007/PartnerControls">
+  <documentManagement/>
+</p:properties>
+</file>
+
+<file path=customXml/item3.xml><?xml version="1.0" encoding="utf-8"?>
 <?mso-contentType ?>
 <FormTemplates xmlns="http://schemas.microsoft.com/sharepoint/v3/contenttype/forms">
   <Display>DocumentLibraryForm</Display>
   <Edit>DocumentLibraryForm</Edit>
   <New>DocumentLibraryForm</New>
 </FormTemplates>
-</file>
-
-<file path=customXml/item3.xml><?xml version="1.0" encoding="utf-8"?>
-<p:properties xmlns:p="http://schemas.microsoft.com/office/2006/metadata/properties" xmlns:xsi="http://www.w3.org/2001/XMLSchema-instance" xmlns:pc="http://schemas.microsoft.com/office/infopath/2007/PartnerControls">
-  <documentManagement/>
-</p:properties>
 </file>
 
 <file path=customXml/itemProps1.xml><?xml version="1.0" encoding="utf-8"?>
@@ -9366,14 +9335,6 @@
 </file>
 
 <file path=customXml/itemProps2.xml><?xml version="1.0" encoding="utf-8"?>
-<ds:datastoreItem xmlns:ds="http://schemas.openxmlformats.org/officeDocument/2006/customXml" ds:itemID="{65DBAB6F-CDC5-4F88-9B03-38F825D2A5E2}">
-  <ds:schemaRefs>
-    <ds:schemaRef ds:uri="http://schemas.microsoft.com/sharepoint/v3/contenttype/forms"/>
-  </ds:schemaRefs>
-</ds:datastoreItem>
-</file>
-
-<file path=customXml/itemProps3.xml><?xml version="1.0" encoding="utf-8"?>
 <ds:datastoreItem xmlns:ds="http://schemas.openxmlformats.org/officeDocument/2006/customXml" ds:itemID="{C3EF0EE4-0853-4A08-B441-05E79C806EA2}">
   <ds:schemaRefs>
     <ds:schemaRef ds:uri="http://schemas.microsoft.com/office/2006/documentManagement/types"/>
@@ -9388,4 +9349,12 @@
     <ds:schemaRef ds:uri="http://purl.org/dc/terms/"/>
   </ds:schemaRefs>
 </ds:datastoreItem>
+</file>
+
+<file path=customXml/itemProps3.xml><?xml version="1.0" encoding="utf-8"?>
+<ds:datastoreItem xmlns:ds="http://schemas.openxmlformats.org/officeDocument/2006/customXml" ds:itemID="{65DBAB6F-CDC5-4F88-9B03-38F825D2A5E2}">
+  <ds:schemaRefs>
+    <ds:schemaRef ds:uri="http://schemas.microsoft.com/sharepoint/v3/contenttype/forms"/>
+  </ds:schemaRefs>
+</ds:datastoreItem>
 </file>